--- a/Durrah_Plots.pptx
+++ b/Durrah_Plots.pptx
@@ -7,9 +7,10 @@
   <p:sldIdLst>
     <p:sldId id="259" r:id="rId2"/>
     <p:sldId id="256" r:id="rId3"/>
-    <p:sldId id="260" r:id="rId4"/>
-    <p:sldId id="258" r:id="rId5"/>
-    <p:sldId id="257" r:id="rId6"/>
+    <p:sldId id="261" r:id="rId4"/>
+    <p:sldId id="260" r:id="rId5"/>
+    <p:sldId id="258" r:id="rId6"/>
+    <p:sldId id="257" r:id="rId7"/>
   </p:sldIdLst>
   <p:sldSz cx="12192000" cy="6858000"/>
   <p:notesSz cx="6858000" cy="9144000"/>
@@ -108,6 +109,11 @@
       </a:defRPr>
     </a:lvl9pPr>
   </p:defaultTextStyle>
+  <p:extLst>
+    <p:ext uri="{EFAFB233-063F-42B5-8137-9DF3F51BA10A}">
+      <p15:sldGuideLst xmlns:p15="http://schemas.microsoft.com/office/powerpoint/2012/main"/>
+    </p:ext>
+  </p:extLst>
 </p:presentation>
 </file>
 
@@ -258,7 +264,7 @@
           <a:p>
             <a:fld id="{47A98828-F888-4C4E-97D7-B327086A1972}" type="datetimeFigureOut">
               <a:rPr lang="en-US" smtClean="0"/>
-              <a:t>8/3/2021</a:t>
+              <a:t>8/5/2021</a:t>
             </a:fld>
             <a:endParaRPr lang="en-US"/>
           </a:p>
@@ -456,7 +462,7 @@
           <a:p>
             <a:fld id="{47A98828-F888-4C4E-97D7-B327086A1972}" type="datetimeFigureOut">
               <a:rPr lang="en-US" smtClean="0"/>
-              <a:t>8/3/2021</a:t>
+              <a:t>8/5/2021</a:t>
             </a:fld>
             <a:endParaRPr lang="en-US"/>
           </a:p>
@@ -664,7 +670,7 @@
           <a:p>
             <a:fld id="{47A98828-F888-4C4E-97D7-B327086A1972}" type="datetimeFigureOut">
               <a:rPr lang="en-US" smtClean="0"/>
-              <a:t>8/3/2021</a:t>
+              <a:t>8/5/2021</a:t>
             </a:fld>
             <a:endParaRPr lang="en-US"/>
           </a:p>
@@ -862,7 +868,7 @@
           <a:p>
             <a:fld id="{47A98828-F888-4C4E-97D7-B327086A1972}" type="datetimeFigureOut">
               <a:rPr lang="en-US" smtClean="0"/>
-              <a:t>8/3/2021</a:t>
+              <a:t>8/5/2021</a:t>
             </a:fld>
             <a:endParaRPr lang="en-US"/>
           </a:p>
@@ -1137,7 +1143,7 @@
           <a:p>
             <a:fld id="{47A98828-F888-4C4E-97D7-B327086A1972}" type="datetimeFigureOut">
               <a:rPr lang="en-US" smtClean="0"/>
-              <a:t>8/3/2021</a:t>
+              <a:t>8/5/2021</a:t>
             </a:fld>
             <a:endParaRPr lang="en-US"/>
           </a:p>
@@ -1402,7 +1408,7 @@
           <a:p>
             <a:fld id="{47A98828-F888-4C4E-97D7-B327086A1972}" type="datetimeFigureOut">
               <a:rPr lang="en-US" smtClean="0"/>
-              <a:t>8/3/2021</a:t>
+              <a:t>8/5/2021</a:t>
             </a:fld>
             <a:endParaRPr lang="en-US"/>
           </a:p>
@@ -1814,7 +1820,7 @@
           <a:p>
             <a:fld id="{47A98828-F888-4C4E-97D7-B327086A1972}" type="datetimeFigureOut">
               <a:rPr lang="en-US" smtClean="0"/>
-              <a:t>8/3/2021</a:t>
+              <a:t>8/5/2021</a:t>
             </a:fld>
             <a:endParaRPr lang="en-US"/>
           </a:p>
@@ -1955,7 +1961,7 @@
           <a:p>
             <a:fld id="{47A98828-F888-4C4E-97D7-B327086A1972}" type="datetimeFigureOut">
               <a:rPr lang="en-US" smtClean="0"/>
-              <a:t>8/3/2021</a:t>
+              <a:t>8/5/2021</a:t>
             </a:fld>
             <a:endParaRPr lang="en-US"/>
           </a:p>
@@ -2068,7 +2074,7 @@
           <a:p>
             <a:fld id="{47A98828-F888-4C4E-97D7-B327086A1972}" type="datetimeFigureOut">
               <a:rPr lang="en-US" smtClean="0"/>
-              <a:t>8/3/2021</a:t>
+              <a:t>8/5/2021</a:t>
             </a:fld>
             <a:endParaRPr lang="en-US"/>
           </a:p>
@@ -2379,7 +2385,7 @@
           <a:p>
             <a:fld id="{47A98828-F888-4C4E-97D7-B327086A1972}" type="datetimeFigureOut">
               <a:rPr lang="en-US" smtClean="0"/>
-              <a:t>8/3/2021</a:t>
+              <a:t>8/5/2021</a:t>
             </a:fld>
             <a:endParaRPr lang="en-US"/>
           </a:p>
@@ -2667,7 +2673,7 @@
           <a:p>
             <a:fld id="{47A98828-F888-4C4E-97D7-B327086A1972}" type="datetimeFigureOut">
               <a:rPr lang="en-US" smtClean="0"/>
-              <a:t>8/3/2021</a:t>
+              <a:t>8/5/2021</a:t>
             </a:fld>
             <a:endParaRPr lang="en-US"/>
           </a:p>
@@ -2908,7 +2914,7 @@
           <a:p>
             <a:fld id="{47A98828-F888-4C4E-97D7-B327086A1972}" type="datetimeFigureOut">
               <a:rPr lang="en-US" smtClean="0"/>
-              <a:t>8/3/2021</a:t>
+              <a:t>8/5/2021</a:t>
             </a:fld>
             <a:endParaRPr lang="en-US"/>
           </a:p>
@@ -3405,56 +3411,36 @@
           <a:chExt cx="0" cy="0"/>
         </a:xfrm>
       </p:grpSpPr>
-      <p:sp>
-        <p:nvSpPr>
-          <p:cNvPr id="2" name="Title 1">
-            <a:extLst>
-              <a:ext uri="{FF2B5EF4-FFF2-40B4-BE49-F238E27FC236}">
-                <a16:creationId xmlns:a16="http://schemas.microsoft.com/office/drawing/2014/main" id="{5D4C6550-C3B9-41FA-BC7E-54B0E466E273}"/>
-              </a:ext>
-            </a:extLst>
-          </p:cNvPr>
-          <p:cNvSpPr>
-            <a:spLocks noGrp="1"/>
-          </p:cNvSpPr>
-          <p:nvPr>
-            <p:ph type="ctrTitle"/>
-          </p:nvPr>
-        </p:nvSpPr>
-        <p:spPr/>
-        <p:txBody>
-          <a:bodyPr/>
-          <a:lstStyle/>
-          <a:p>
-            <a:endParaRPr lang="en-US"/>
-          </a:p>
-        </p:txBody>
-      </p:sp>
-      <p:sp>
-        <p:nvSpPr>
-          <p:cNvPr id="3" name="Subtitle 2">
-            <a:extLst>
-              <a:ext uri="{FF2B5EF4-FFF2-40B4-BE49-F238E27FC236}">
-                <a16:creationId xmlns:a16="http://schemas.microsoft.com/office/drawing/2014/main" id="{C956BD13-9558-4690-BBB4-472D0B79385E}"/>
-              </a:ext>
-            </a:extLst>
-          </p:cNvPr>
-          <p:cNvSpPr>
-            <a:spLocks noGrp="1"/>
-          </p:cNvSpPr>
-          <p:nvPr>
-            <p:ph type="subTitle" idx="1"/>
-          </p:nvPr>
-        </p:nvSpPr>
-        <p:spPr/>
-        <p:txBody>
-          <a:bodyPr/>
-          <a:lstStyle/>
-          <a:p>
-            <a:endParaRPr lang="en-US"/>
-          </a:p>
-        </p:txBody>
-      </p:sp>
+      <p:pic>
+        <p:nvPicPr>
+          <p:cNvPr id="5" name="Picture 4">
+            <a:extLst>
+              <a:ext uri="{FF2B5EF4-FFF2-40B4-BE49-F238E27FC236}">
+                <a16:creationId xmlns:a16="http://schemas.microsoft.com/office/drawing/2014/main" id="{B9A6EAB7-5F3E-4190-9437-36EF9981CE5A}"/>
+              </a:ext>
+            </a:extLst>
+          </p:cNvPr>
+          <p:cNvPicPr>
+            <a:picLocks noChangeAspect="1"/>
+          </p:cNvPicPr>
+          <p:nvPr/>
+        </p:nvPicPr>
+        <p:blipFill>
+          <a:blip r:embed="rId2"/>
+          <a:stretch>
+            <a:fillRect/>
+          </a:stretch>
+        </p:blipFill>
+        <p:spPr>
+          <a:xfrm>
+            <a:off x="381000" y="0"/>
+            <a:ext cx="11430000" cy="6858000"/>
+          </a:xfrm>
+          <a:prstGeom prst="rect">
+            <a:avLst/>
+          </a:prstGeom>
+        </p:spPr>
+      </p:pic>
     </p:spTree>
     <p:extLst>
       <p:ext uri="{BB962C8B-B14F-4D97-AF65-F5344CB8AC3E}">
@@ -3469,6 +3455,86 @@
 </file>
 
 <file path=ppt/slides/slide3.xml><?xml version="1.0" encoding="utf-8"?>
+<p:sld xmlns:a="http://schemas.openxmlformats.org/drawingml/2006/main" xmlns:r="http://schemas.openxmlformats.org/officeDocument/2006/relationships" xmlns:p="http://schemas.openxmlformats.org/presentationml/2006/main">
+  <p:cSld>
+    <p:spTree>
+      <p:nvGrpSpPr>
+        <p:cNvPr id="1" name=""/>
+        <p:cNvGrpSpPr/>
+        <p:nvPr/>
+      </p:nvGrpSpPr>
+      <p:grpSpPr>
+        <a:xfrm>
+          <a:off x="0" y="0"/>
+          <a:ext cx="0" cy="0"/>
+          <a:chOff x="0" y="0"/>
+          <a:chExt cx="0" cy="0"/>
+        </a:xfrm>
+      </p:grpSpPr>
+      <p:sp>
+        <p:nvSpPr>
+          <p:cNvPr id="2" name="Title 1">
+            <a:extLst>
+              <a:ext uri="{FF2B5EF4-FFF2-40B4-BE49-F238E27FC236}">
+                <a16:creationId xmlns:a16="http://schemas.microsoft.com/office/drawing/2014/main" id="{46FB2887-DB28-4ABB-B5B3-A27AE7ACC667}"/>
+              </a:ext>
+            </a:extLst>
+          </p:cNvPr>
+          <p:cNvSpPr>
+            <a:spLocks noGrp="1"/>
+          </p:cNvSpPr>
+          <p:nvPr>
+            <p:ph type="title"/>
+          </p:nvPr>
+        </p:nvSpPr>
+        <p:spPr/>
+        <p:txBody>
+          <a:bodyPr/>
+          <a:lstStyle/>
+          <a:p>
+            <a:endParaRPr lang="en-US"/>
+          </a:p>
+        </p:txBody>
+      </p:sp>
+      <p:sp>
+        <p:nvSpPr>
+          <p:cNvPr id="3" name="Content Placeholder 2">
+            <a:extLst>
+              <a:ext uri="{FF2B5EF4-FFF2-40B4-BE49-F238E27FC236}">
+                <a16:creationId xmlns:a16="http://schemas.microsoft.com/office/drawing/2014/main" id="{EA1EB116-AA41-45E8-9F2B-1B5E4C5512B9}"/>
+              </a:ext>
+            </a:extLst>
+          </p:cNvPr>
+          <p:cNvSpPr>
+            <a:spLocks noGrp="1"/>
+          </p:cNvSpPr>
+          <p:nvPr>
+            <p:ph idx="1"/>
+          </p:nvPr>
+        </p:nvSpPr>
+        <p:spPr/>
+        <p:txBody>
+          <a:bodyPr/>
+          <a:lstStyle/>
+          <a:p>
+            <a:endParaRPr lang="en-US"/>
+          </a:p>
+        </p:txBody>
+      </p:sp>
+    </p:spTree>
+    <p:extLst>
+      <p:ext uri="{BB962C8B-B14F-4D97-AF65-F5344CB8AC3E}">
+        <p14:creationId xmlns:p14="http://schemas.microsoft.com/office/powerpoint/2010/main" val="4032435002"/>
+      </p:ext>
+    </p:extLst>
+  </p:cSld>
+  <p:clrMapOvr>
+    <a:masterClrMapping/>
+  </p:clrMapOvr>
+</p:sld>
+</file>
+
+<file path=ppt/slides/slide4.xml><?xml version="1.0" encoding="utf-8"?>
 <p:sld xmlns:a="http://schemas.openxmlformats.org/drawingml/2006/main" xmlns:r="http://schemas.openxmlformats.org/officeDocument/2006/relationships" xmlns:p="http://schemas.openxmlformats.org/presentationml/2006/main">
   <p:cSld>
     <p:spTree>
@@ -3578,7 +3644,7 @@
 </p:sld>
 </file>
 
-<file path=ppt/slides/slide4.xml><?xml version="1.0" encoding="utf-8"?>
+<file path=ppt/slides/slide5.xml><?xml version="1.0" encoding="utf-8"?>
 <p:sld xmlns:a="http://schemas.openxmlformats.org/drawingml/2006/main" xmlns:r="http://schemas.openxmlformats.org/officeDocument/2006/relationships" xmlns:p="http://schemas.openxmlformats.org/presentationml/2006/main">
   <p:cSld>
     <p:spTree>
@@ -3688,7 +3754,7 @@
 </p:sld>
 </file>
 
-<file path=ppt/slides/slide5.xml><?xml version="1.0" encoding="utf-8"?>
+<file path=ppt/slides/slide6.xml><?xml version="1.0" encoding="utf-8"?>
 <p:sld xmlns:a="http://schemas.openxmlformats.org/drawingml/2006/main" xmlns:r="http://schemas.openxmlformats.org/officeDocument/2006/relationships" xmlns:p="http://schemas.openxmlformats.org/presentationml/2006/main">
   <p:cSld>
     <p:spTree>
